--- a/Presentations/FINAL PRESENTATION.pptx
+++ b/Presentations/FINAL PRESENTATION.pptx
@@ -5,7 +5,7 @@
     <p:sldMasterId id="2147483648" r:id="rId1"/>
   </p:sldMasterIdLst>
   <p:notesMasterIdLst>
-    <p:notesMasterId r:id="rId25"/>
+    <p:notesMasterId r:id="rId22"/>
   </p:notesMasterIdLst>
   <p:sldIdLst>
     <p:sldId id="256" r:id="rId2"/>
@@ -24,13 +24,10 @@
     <p:sldId id="270" r:id="rId15"/>
     <p:sldId id="271" r:id="rId16"/>
     <p:sldId id="272" r:id="rId17"/>
-    <p:sldId id="273" r:id="rId18"/>
-    <p:sldId id="274" r:id="rId19"/>
-    <p:sldId id="275" r:id="rId20"/>
-    <p:sldId id="276" r:id="rId21"/>
-    <p:sldId id="278" r:id="rId22"/>
-    <p:sldId id="279" r:id="rId23"/>
-    <p:sldId id="280" r:id="rId24"/>
+    <p:sldId id="281" r:id="rId18"/>
+    <p:sldId id="278" r:id="rId19"/>
+    <p:sldId id="279" r:id="rId20"/>
+    <p:sldId id="280" r:id="rId21"/>
   </p:sldIdLst>
   <p:sldSz cx="9144000" cy="6858000" type="screen4x3"/>
   <p:notesSz cx="6858000" cy="9144000"/>
@@ -2557,33 +2554,6 @@
       <dgm:prSet/>
       <dgm:spPr/>
     </dgm:pt>
-    <dgm:pt modelId="{21C52058-BC9D-4543-AB6B-54CB2494D5ED}">
-      <dgm:prSet/>
-      <dgm:spPr/>
-      <dgm:t>
-        <a:bodyPr/>
-        <a:lstStyle/>
-        <a:p>
-          <a:r>
-            <a:rPr lang="en-US" dirty="0" err="1" smtClean="0"/>
-            <a:t>Chetan</a:t>
-          </a:r>
-          <a:r>
-            <a:rPr lang="en-US" dirty="0" smtClean="0"/>
-            <a:t> Sharma</a:t>
-          </a:r>
-          <a:endParaRPr lang="en-US" dirty="0"/>
-        </a:p>
-      </dgm:t>
-    </dgm:pt>
-    <dgm:pt modelId="{5E2155F1-9F87-4338-BFC7-2AAFEF88B85B}" type="parTrans" cxnId="{6E1B8D73-9284-40D0-B592-FAC4FFE5AC85}">
-      <dgm:prSet/>
-      <dgm:spPr/>
-    </dgm:pt>
-    <dgm:pt modelId="{6C15CCA6-48F0-4E31-B08D-CDB60DE076F7}" type="sibTrans" cxnId="{6E1B8D73-9284-40D0-B592-FAC4FFE5AC85}">
-      <dgm:prSet/>
-      <dgm:spPr/>
-    </dgm:pt>
     <dgm:pt modelId="{143934E3-6717-4DB9-9B19-71214FFE2F5F}">
       <dgm:prSet/>
       <dgm:spPr/>
@@ -2607,11 +2577,11 @@
         </a:p>
       </dgm:t>
     </dgm:pt>
-    <dgm:pt modelId="{F92EBAAD-B609-4EFE-A2C9-9ABFD61C2932}" type="parTrans" cxnId="{8C1B162D-DCBF-4956-85DA-1CA026952AF4}">
+    <dgm:pt modelId="{327E5F69-0698-4CE1-B71E-BF0588CD02E7}" type="sibTrans" cxnId="{8C1B162D-DCBF-4956-85DA-1CA026952AF4}">
       <dgm:prSet/>
       <dgm:spPr/>
     </dgm:pt>
-    <dgm:pt modelId="{327E5F69-0698-4CE1-B71E-BF0588CD02E7}" type="sibTrans" cxnId="{8C1B162D-DCBF-4956-85DA-1CA026952AF4}">
+    <dgm:pt modelId="{F92EBAAD-B609-4EFE-A2C9-9ABFD61C2932}" type="parTrans" cxnId="{8C1B162D-DCBF-4956-85DA-1CA026952AF4}">
       <dgm:prSet/>
       <dgm:spPr/>
     </dgm:pt>
@@ -2738,23 +2708,21 @@
     </dgm:pt>
   </dgm:ptLst>
   <dgm:cxnLst>
+    <dgm:cxn modelId="{2F37484B-45D5-4BA9-B954-E45BA339222A}" type="presOf" srcId="{FA5DAFA6-457E-49F6-B736-32DEAEEF0772}" destId="{E628782C-B0E1-45ED-B07B-2160F6D196E3}" srcOrd="1" destOrd="0" presId="urn:microsoft.com/office/officeart/2005/8/layout/list1"/>
+    <dgm:cxn modelId="{9B1C6D33-6DFF-4E25-844D-059A5F9F25E7}" type="presOf" srcId="{143934E3-6717-4DB9-9B19-71214FFE2F5F}" destId="{AF0087CF-9BEC-4741-875B-B425D667BB5A}" srcOrd="0" destOrd="2" presId="urn:microsoft.com/office/officeart/2005/8/layout/list1"/>
+    <dgm:cxn modelId="{944B364B-37A5-47B3-B3B3-975784C78F70}" srcId="{FA5DAFA6-457E-49F6-B736-32DEAEEF0772}" destId="{D092C2F3-73F9-462E-A11B-2A8BE11D819E}" srcOrd="0" destOrd="0" parTransId="{96CFD798-9F60-43D4-99C8-6C3A50175BC3}" sibTransId="{C1616556-10D0-4C7F-B90E-43C44EE23C91}"/>
+    <dgm:cxn modelId="{95901ED6-584E-4384-958D-915EEC0DF5D8}" srcId="{32D40747-F688-4E5A-B839-08527787CBB2}" destId="{D2E69E3C-D041-497E-A784-68375FC2BA00}" srcOrd="0" destOrd="0" parTransId="{66228243-5D49-4131-B2E6-74688C1B7341}" sibTransId="{4F7D187D-5A37-4998-947A-2642727E7293}"/>
+    <dgm:cxn modelId="{4197E6C5-B8C2-4BB0-965F-EB25F24F7387}" type="presOf" srcId="{32D40747-F688-4E5A-B839-08527787CBB2}" destId="{4A3DF150-CAC8-406A-A874-BBD218C3F887}" srcOrd="0" destOrd="0" presId="urn:microsoft.com/office/officeart/2005/8/layout/list1"/>
+    <dgm:cxn modelId="{2B658C51-2B28-4071-88AB-462723F40223}" srcId="{E9577FEC-D5BF-479D-ACCF-F0F7BFF96E17}" destId="{32D40747-F688-4E5A-B839-08527787CBB2}" srcOrd="0" destOrd="0" parTransId="{0C76DF6F-0E98-484B-B148-3191E004D43D}" sibTransId="{89E61631-FBC9-4E79-BD11-E7CFEB670BEE}"/>
+    <dgm:cxn modelId="{E94FD8AB-B62A-47C8-8633-1CA2D5FEE9E8}" type="presOf" srcId="{339A064B-1535-446A-BA24-18CC65BC63E1}" destId="{AF0087CF-9BEC-4741-875B-B425D667BB5A}" srcOrd="0" destOrd="1" presId="urn:microsoft.com/office/officeart/2005/8/layout/list1"/>
     <dgm:cxn modelId="{EA884E28-1AB1-425A-9625-EFEC60562820}" type="presOf" srcId="{FA5DAFA6-457E-49F6-B736-32DEAEEF0772}" destId="{0DD03D7D-FAC1-481A-978E-0FC316677580}" srcOrd="0" destOrd="0" presId="urn:microsoft.com/office/officeart/2005/8/layout/list1"/>
+    <dgm:cxn modelId="{15E41813-DAD4-429F-A227-AA1486A4BC1A}" type="presOf" srcId="{D092C2F3-73F9-462E-A11B-2A8BE11D819E}" destId="{AF0087CF-9BEC-4741-875B-B425D667BB5A}" srcOrd="0" destOrd="0" presId="urn:microsoft.com/office/officeart/2005/8/layout/list1"/>
+    <dgm:cxn modelId="{8C1B162D-DCBF-4956-85DA-1CA026952AF4}" srcId="{FA5DAFA6-457E-49F6-B736-32DEAEEF0772}" destId="{143934E3-6717-4DB9-9B19-71214FFE2F5F}" srcOrd="2" destOrd="0" parTransId="{F92EBAAD-B609-4EFE-A2C9-9ABFD61C2932}" sibTransId="{327E5F69-0698-4CE1-B71E-BF0588CD02E7}"/>
+    <dgm:cxn modelId="{B8497A35-BA3E-4F30-B232-A1D2C7A09021}" type="presOf" srcId="{E9577FEC-D5BF-479D-ACCF-F0F7BFF96E17}" destId="{D6F2FECF-BD31-4181-99AD-10A20906C78C}" srcOrd="0" destOrd="0" presId="urn:microsoft.com/office/officeart/2005/8/layout/list1"/>
     <dgm:cxn modelId="{EB2DE28E-542E-4E69-8EB8-F1554A3797A3}" srcId="{E9577FEC-D5BF-479D-ACCF-F0F7BFF96E17}" destId="{FA5DAFA6-457E-49F6-B736-32DEAEEF0772}" srcOrd="1" destOrd="0" parTransId="{4A93C994-8FB3-4DBA-9FCF-2883E33CFF16}" sibTransId="{6CED30A7-6439-4E9B-9F41-FAC4EFDCD626}"/>
     <dgm:cxn modelId="{6A4982D1-6C75-44FD-BD74-75ABE0C656C6}" type="presOf" srcId="{32D40747-F688-4E5A-B839-08527787CBB2}" destId="{186FC912-8FD6-45F1-9B46-E818AAAF259D}" srcOrd="1" destOrd="0" presId="urn:microsoft.com/office/officeart/2005/8/layout/list1"/>
-    <dgm:cxn modelId="{2B658C51-2B28-4071-88AB-462723F40223}" srcId="{E9577FEC-D5BF-479D-ACCF-F0F7BFF96E17}" destId="{32D40747-F688-4E5A-B839-08527787CBB2}" srcOrd="0" destOrd="0" parTransId="{0C76DF6F-0E98-484B-B148-3191E004D43D}" sibTransId="{89E61631-FBC9-4E79-BD11-E7CFEB670BEE}"/>
-    <dgm:cxn modelId="{C852D203-26AD-4224-B860-4A8C85596E3D}" type="presOf" srcId="{21C52058-BC9D-4543-AB6B-54CB2494D5ED}" destId="{AF0087CF-9BEC-4741-875B-B425D667BB5A}" srcOrd="0" destOrd="2" presId="urn:microsoft.com/office/officeart/2005/8/layout/list1"/>
-    <dgm:cxn modelId="{E94FD8AB-B62A-47C8-8633-1CA2D5FEE9E8}" type="presOf" srcId="{339A064B-1535-446A-BA24-18CC65BC63E1}" destId="{AF0087CF-9BEC-4741-875B-B425D667BB5A}" srcOrd="0" destOrd="1" presId="urn:microsoft.com/office/officeart/2005/8/layout/list1"/>
     <dgm:cxn modelId="{59F73776-2773-4D3C-8255-6BEE77BE64DD}" type="presOf" srcId="{D2E69E3C-D041-497E-A784-68375FC2BA00}" destId="{1809CE72-AED7-4380-9F32-7F516ADA3C8E}" srcOrd="0" destOrd="0" presId="urn:microsoft.com/office/officeart/2005/8/layout/list1"/>
-    <dgm:cxn modelId="{4197E6C5-B8C2-4BB0-965F-EB25F24F7387}" type="presOf" srcId="{32D40747-F688-4E5A-B839-08527787CBB2}" destId="{4A3DF150-CAC8-406A-A874-BBD218C3F887}" srcOrd="0" destOrd="0" presId="urn:microsoft.com/office/officeart/2005/8/layout/list1"/>
-    <dgm:cxn modelId="{9B1C6D33-6DFF-4E25-844D-059A5F9F25E7}" type="presOf" srcId="{143934E3-6717-4DB9-9B19-71214FFE2F5F}" destId="{AF0087CF-9BEC-4741-875B-B425D667BB5A}" srcOrd="0" destOrd="3" presId="urn:microsoft.com/office/officeart/2005/8/layout/list1"/>
-    <dgm:cxn modelId="{15E41813-DAD4-429F-A227-AA1486A4BC1A}" type="presOf" srcId="{D092C2F3-73F9-462E-A11B-2A8BE11D819E}" destId="{AF0087CF-9BEC-4741-875B-B425D667BB5A}" srcOrd="0" destOrd="0" presId="urn:microsoft.com/office/officeart/2005/8/layout/list1"/>
-    <dgm:cxn modelId="{944B364B-37A5-47B3-B3B3-975784C78F70}" srcId="{FA5DAFA6-457E-49F6-B736-32DEAEEF0772}" destId="{D092C2F3-73F9-462E-A11B-2A8BE11D819E}" srcOrd="0" destOrd="0" parTransId="{96CFD798-9F60-43D4-99C8-6C3A50175BC3}" sibTransId="{C1616556-10D0-4C7F-B90E-43C44EE23C91}"/>
     <dgm:cxn modelId="{C846C9F2-0311-4E6C-9468-6B4BADE57F52}" srcId="{FA5DAFA6-457E-49F6-B736-32DEAEEF0772}" destId="{339A064B-1535-446A-BA24-18CC65BC63E1}" srcOrd="1" destOrd="0" parTransId="{79B2FFFE-729E-4E46-B7B6-DAF6FD2EF3E3}" sibTransId="{A6B3F353-22CD-4FFE-B1E5-0895A001D2AA}"/>
-    <dgm:cxn modelId="{2F37484B-45D5-4BA9-B954-E45BA339222A}" type="presOf" srcId="{FA5DAFA6-457E-49F6-B736-32DEAEEF0772}" destId="{E628782C-B0E1-45ED-B07B-2160F6D196E3}" srcOrd="1" destOrd="0" presId="urn:microsoft.com/office/officeart/2005/8/layout/list1"/>
-    <dgm:cxn modelId="{95901ED6-584E-4384-958D-915EEC0DF5D8}" srcId="{32D40747-F688-4E5A-B839-08527787CBB2}" destId="{D2E69E3C-D041-497E-A784-68375FC2BA00}" srcOrd="0" destOrd="0" parTransId="{66228243-5D49-4131-B2E6-74688C1B7341}" sibTransId="{4F7D187D-5A37-4998-947A-2642727E7293}"/>
-    <dgm:cxn modelId="{B8497A35-BA3E-4F30-B232-A1D2C7A09021}" type="presOf" srcId="{E9577FEC-D5BF-479D-ACCF-F0F7BFF96E17}" destId="{D6F2FECF-BD31-4181-99AD-10A20906C78C}" srcOrd="0" destOrd="0" presId="urn:microsoft.com/office/officeart/2005/8/layout/list1"/>
-    <dgm:cxn modelId="{8C1B162D-DCBF-4956-85DA-1CA026952AF4}" srcId="{FA5DAFA6-457E-49F6-B736-32DEAEEF0772}" destId="{143934E3-6717-4DB9-9B19-71214FFE2F5F}" srcOrd="3" destOrd="0" parTransId="{F92EBAAD-B609-4EFE-A2C9-9ABFD61C2932}" sibTransId="{327E5F69-0698-4CE1-B71E-BF0588CD02E7}"/>
-    <dgm:cxn modelId="{6E1B8D73-9284-40D0-B592-FAC4FFE5AC85}" srcId="{FA5DAFA6-457E-49F6-B736-32DEAEEF0772}" destId="{21C52058-BC9D-4543-AB6B-54CB2494D5ED}" srcOrd="2" destOrd="0" parTransId="{5E2155F1-9F87-4338-BFC7-2AAFEF88B85B}" sibTransId="{6C15CCA6-48F0-4E31-B08D-CDB60DE076F7}"/>
     <dgm:cxn modelId="{AAA00A23-BCD7-4B0C-B764-C644DA2602B1}" type="presParOf" srcId="{D6F2FECF-BD31-4181-99AD-10A20906C78C}" destId="{CB709A83-D005-497C-B01D-2909A77E0E3A}" srcOrd="0" destOrd="0" presId="urn:microsoft.com/office/officeart/2005/8/layout/list1"/>
     <dgm:cxn modelId="{3E3E4F49-4B21-454B-9E9B-C50A0346B49D}" type="presParOf" srcId="{CB709A83-D005-497C-B01D-2909A77E0E3A}" destId="{4A3DF150-CAC8-406A-A874-BBD218C3F887}" srcOrd="0" destOrd="0" presId="urn:microsoft.com/office/officeart/2005/8/layout/list1"/>
     <dgm:cxn modelId="{D785431F-3795-4893-AA28-A86B14894BC9}" type="presParOf" srcId="{CB709A83-D005-497C-B01D-2909A77E0E3A}" destId="{186FC912-8FD6-45F1-9B46-E818AAAF259D}" srcOrd="1" destOrd="0" presId="urn:microsoft.com/office/officeart/2005/8/layout/list1"/>
@@ -2832,9 +2800,17 @@
         <a:p>
           <a:r>
             <a:rPr lang="en-US" dirty="0" smtClean="0"/>
-            <a:t>Store, retrieve, modify, and delete captioned videos correctly.</a:t>
+            <a:t>Store, retrieve, modify, and delete captioned videos correctly</a:t>
           </a:r>
-          <a:endParaRPr lang="en-US" dirty="0"/>
+          <a:r>
+            <a:rPr lang="en-US" dirty="0" smtClean="0"/>
+            <a:t>.  </a:t>
+          </a:r>
+          <a:r>
+            <a:rPr lang="en-US" i="1" dirty="0" smtClean="0"/>
+            <a:t>(Achieved)</a:t>
+          </a:r>
+          <a:endParaRPr lang="en-US" i="1" dirty="0"/>
         </a:p>
       </dgm:t>
     </dgm:pt>
@@ -2869,8 +2845,17 @@
         <a:p>
           <a:r>
             <a:rPr lang="en-US" dirty="0" smtClean="0"/>
-            <a:t>Display the captioned videos where the videos are located.</a:t>
+            <a:t>Display the captioned videos where the videos are located</a:t>
           </a:r>
+          <a:r>
+            <a:rPr lang="en-US" dirty="0" smtClean="0"/>
+            <a:t>. </a:t>
+          </a:r>
+          <a:r>
+            <a:rPr lang="en-US" i="1" dirty="0" smtClean="0"/>
+            <a:t>(Achieved)</a:t>
+          </a:r>
+          <a:endParaRPr lang="en-US" dirty="0" smtClean="0"/>
         </a:p>
       </dgm:t>
     </dgm:pt>
@@ -2905,8 +2890,17 @@
         <a:p>
           <a:r>
             <a:rPr lang="en-US" dirty="0" smtClean="0"/>
-            <a:t>Assure caption synchronization.</a:t>
+            <a:t>Assure caption synchronization</a:t>
           </a:r>
+          <a:r>
+            <a:rPr lang="en-US" dirty="0" smtClean="0"/>
+            <a:t>. </a:t>
+          </a:r>
+          <a:r>
+            <a:rPr lang="en-US" i="1" dirty="0" smtClean="0"/>
+            <a:t>(Achieved)</a:t>
+          </a:r>
+          <a:endParaRPr lang="en-US" dirty="0" smtClean="0"/>
         </a:p>
       </dgm:t>
     </dgm:pt>
@@ -2941,8 +2935,17 @@
         <a:p>
           <a:r>
             <a:rPr lang="en-US" dirty="0" smtClean="0"/>
-            <a:t>Presents its functionality via Web Services.</a:t>
+            <a:t>Presents its functionality via Web Services</a:t>
           </a:r>
+          <a:r>
+            <a:rPr lang="en-US" dirty="0" smtClean="0"/>
+            <a:t>. </a:t>
+          </a:r>
+          <a:r>
+            <a:rPr lang="en-US" i="1" dirty="0" smtClean="0"/>
+            <a:t>(For Continuation)</a:t>
+          </a:r>
+          <a:endParaRPr lang="en-US" i="1" dirty="0" smtClean="0"/>
         </a:p>
       </dgm:t>
     </dgm:pt>
@@ -2977,8 +2980,17 @@
         <a:p>
           <a:r>
             <a:rPr lang="en-US" dirty="0" smtClean="0"/>
-            <a:t>Assure that only one user can work on captioning a specific video at a given time.</a:t>
+            <a:t>Assure that only one user can work on captioning a specific video at a given time</a:t>
           </a:r>
+          <a:r>
+            <a:rPr lang="en-US" dirty="0" smtClean="0"/>
+            <a:t>. </a:t>
+          </a:r>
+          <a:r>
+            <a:rPr lang="en-US" i="1" dirty="0" smtClean="0"/>
+            <a:t>(For Continuation)</a:t>
+          </a:r>
+          <a:endParaRPr lang="en-US" dirty="0" smtClean="0"/>
         </a:p>
       </dgm:t>
     </dgm:pt>
@@ -3013,8 +3025,17 @@
         <a:p>
           <a:r>
             <a:rPr lang="en-US" dirty="0" smtClean="0"/>
-            <a:t>Retrieve a list of previous versions.</a:t>
+            <a:t>Retrieve a list of previous versions</a:t>
           </a:r>
+          <a:r>
+            <a:rPr lang="en-US" dirty="0" smtClean="0"/>
+            <a:t>. </a:t>
+          </a:r>
+          <a:r>
+            <a:rPr lang="en-US" i="1" dirty="0" smtClean="0"/>
+            <a:t>(For Continuation)</a:t>
+          </a:r>
+          <a:endParaRPr lang="en-US" dirty="0" smtClean="0"/>
         </a:p>
       </dgm:t>
     </dgm:pt>
@@ -3049,8 +3070,17 @@
         <a:p>
           <a:r>
             <a:rPr lang="en-US" dirty="0" smtClean="0"/>
-            <a:t>Revert to a previous version.</a:t>
+            <a:t>Revert to a previous version</a:t>
           </a:r>
+          <a:r>
+            <a:rPr lang="en-US" dirty="0" smtClean="0"/>
+            <a:t>. </a:t>
+          </a:r>
+          <a:r>
+            <a:rPr lang="en-US" i="1" dirty="0" smtClean="0"/>
+            <a:t>(For Continuation)</a:t>
+          </a:r>
+          <a:endParaRPr lang="en-US" dirty="0" smtClean="0"/>
         </a:p>
       </dgm:t>
     </dgm:pt>
@@ -3085,8 +3115,17 @@
         <a:p>
           <a:r>
             <a:rPr lang="en-US" dirty="0" smtClean="0"/>
-            <a:t>Not allow for automated spamming.</a:t>
+            <a:t>Not allow for automated </a:t>
           </a:r>
+          <a:r>
+            <a:rPr lang="en-US" dirty="0" smtClean="0"/>
+            <a:t>spamming. </a:t>
+          </a:r>
+          <a:r>
+            <a:rPr lang="en-US" i="1" dirty="0" smtClean="0"/>
+            <a:t>(For Continuation)</a:t>
+          </a:r>
+          <a:endParaRPr lang="en-US" dirty="0" smtClean="0"/>
         </a:p>
       </dgm:t>
     </dgm:pt>
@@ -3258,7 +3297,15 @@
         <a:p>
           <a:r>
             <a:rPr lang="en-US" dirty="0" smtClean="0"/>
-            <a:t>Load Videos</a:t>
+            <a:t>Load </a:t>
+          </a:r>
+          <a:r>
+            <a:rPr lang="en-US" dirty="0" smtClean="0"/>
+            <a:t>Videos </a:t>
+          </a:r>
+          <a:r>
+            <a:rPr lang="en-US" i="1" dirty="0" smtClean="0"/>
+            <a:t>(Achieved)</a:t>
           </a:r>
           <a:endParaRPr lang="en-US" dirty="0"/>
         </a:p>
@@ -3295,8 +3342,13 @@
         <a:p>
           <a:r>
             <a:rPr lang="en-US" dirty="0" smtClean="0"/>
-            <a:t>Fast-forward in the video</a:t>
+            <a:t>Fast-forward in the </a:t>
           </a:r>
+          <a:r>
+            <a:rPr lang="en-US" dirty="0" smtClean="0"/>
+            <a:t>video</a:t>
+          </a:r>
+          <a:endParaRPr lang="en-US" dirty="0" smtClean="0"/>
         </a:p>
       </dgm:t>
     </dgm:pt>
@@ -3331,8 +3383,17 @@
         <a:p>
           <a:r>
             <a:rPr lang="en-US" dirty="0" smtClean="0"/>
-            <a:t>Rewind in the video</a:t>
+            <a:t>Rewind in the </a:t>
           </a:r>
+          <a:r>
+            <a:rPr lang="en-US" dirty="0" smtClean="0"/>
+            <a:t>video </a:t>
+          </a:r>
+          <a:r>
+            <a:rPr lang="en-US" i="1" dirty="0" smtClean="0"/>
+            <a:t>(Achieved)</a:t>
+          </a:r>
+          <a:endParaRPr lang="en-US" dirty="0" smtClean="0"/>
         </a:p>
       </dgm:t>
     </dgm:pt>
@@ -3367,8 +3428,17 @@
         <a:p>
           <a:r>
             <a:rPr lang="en-US" dirty="0" smtClean="0"/>
-            <a:t>Allow entry of captions</a:t>
+            <a:t>Allow entry of </a:t>
           </a:r>
+          <a:r>
+            <a:rPr lang="en-US" dirty="0" smtClean="0"/>
+            <a:t>captions </a:t>
+          </a:r>
+          <a:r>
+            <a:rPr lang="en-US" i="1" dirty="0" smtClean="0"/>
+            <a:t>(Achieved)</a:t>
+          </a:r>
+          <a:endParaRPr lang="en-US" dirty="0" smtClean="0"/>
         </a:p>
       </dgm:t>
     </dgm:pt>
@@ -3403,8 +3473,17 @@
         <a:p>
           <a:r>
             <a:rPr lang="en-US" dirty="0" smtClean="0"/>
-            <a:t>Submit captions</a:t>
+            <a:t>Submit </a:t>
           </a:r>
+          <a:r>
+            <a:rPr lang="en-US" dirty="0" smtClean="0"/>
+            <a:t>captions </a:t>
+          </a:r>
+          <a:r>
+            <a:rPr lang="en-US" i="1" dirty="0" smtClean="0"/>
+            <a:t>(Achieved)</a:t>
+          </a:r>
+          <a:endParaRPr lang="en-US" dirty="0" smtClean="0"/>
         </a:p>
       </dgm:t>
     </dgm:pt>
@@ -3439,8 +3518,13 @@
         <a:p>
           <a:r>
             <a:rPr lang="en-US" dirty="0" smtClean="0"/>
-            <a:t>Preview the current caption changes with the video.</a:t>
+            <a:t>Preview the current caption changes with the video</a:t>
           </a:r>
+          <a:r>
+            <a:rPr lang="en-US" dirty="0" smtClean="0"/>
+            <a:t>.  </a:t>
+          </a:r>
+          <a:endParaRPr lang="en-US" dirty="0" smtClean="0"/>
         </a:p>
       </dgm:t>
     </dgm:pt>
@@ -8328,253 +8412,7 @@
             <a:fld id="{4E2DDEEE-28A1-46E7-8C69-F86D1A7BF25E}" type="slidenum">
               <a:rPr lang="en-US" smtClean="0"/>
               <a:pPr/>
-              <a:t>17</a:t>
-            </a:fld>
-            <a:endParaRPr lang="en-US"/>
-          </a:p>
-        </p:txBody>
-      </p:sp>
-    </p:spTree>
-  </p:cSld>
-  <p:clrMapOvr>
-    <a:masterClrMapping/>
-  </p:clrMapOvr>
-</p:notes>
-</file>
-
-<file path=ppt/notesSlides/notesSlide17.xml><?xml version="1.0" encoding="utf-8"?>
-<p:notes xmlns:a="http://schemas.openxmlformats.org/drawingml/2006/main" xmlns:r="http://schemas.openxmlformats.org/officeDocument/2006/relationships" xmlns:p="http://schemas.openxmlformats.org/presentationml/2006/main">
-  <p:cSld>
-    <p:spTree>
-      <p:nvGrpSpPr>
-        <p:cNvPr id="1" name=""/>
-        <p:cNvGrpSpPr/>
-        <p:nvPr/>
-      </p:nvGrpSpPr>
-      <p:grpSpPr>
-        <a:xfrm>
-          <a:off x="0" y="0"/>
-          <a:ext cx="0" cy="0"/>
-          <a:chOff x="0" y="0"/>
-          <a:chExt cx="0" cy="0"/>
-        </a:xfrm>
-      </p:grpSpPr>
-      <p:sp>
-        <p:nvSpPr>
-          <p:cNvPr id="2" name="Slide Image Placeholder 1"/>
-          <p:cNvSpPr>
-            <a:spLocks noGrp="1" noRot="1" noChangeAspect="1"/>
-          </p:cNvSpPr>
-          <p:nvPr>
-            <p:ph type="sldImg"/>
-          </p:nvPr>
-        </p:nvSpPr>
-        <p:spPr/>
-      </p:sp>
-      <p:sp>
-        <p:nvSpPr>
-          <p:cNvPr id="3" name="Notes Placeholder 2"/>
-          <p:cNvSpPr>
-            <a:spLocks noGrp="1"/>
-          </p:cNvSpPr>
-          <p:nvPr>
-            <p:ph type="body" idx="1"/>
-          </p:nvPr>
-        </p:nvSpPr>
-        <p:spPr/>
-        <p:txBody>
-          <a:bodyPr>
-            <a:normAutofit/>
-          </a:bodyPr>
-          <a:lstStyle/>
-          <a:p>
-            <a:endParaRPr lang="en-US"/>
-          </a:p>
-        </p:txBody>
-      </p:sp>
-      <p:sp>
-        <p:nvSpPr>
-          <p:cNvPr id="4" name="Slide Number Placeholder 3"/>
-          <p:cNvSpPr>
-            <a:spLocks noGrp="1"/>
-          </p:cNvSpPr>
-          <p:nvPr>
-            <p:ph type="sldNum" sz="quarter" idx="10"/>
-          </p:nvPr>
-        </p:nvSpPr>
-        <p:spPr/>
-        <p:txBody>
-          <a:bodyPr/>
-          <a:lstStyle/>
-          <a:p>
-            <a:fld id="{4E2DDEEE-28A1-46E7-8C69-F86D1A7BF25E}" type="slidenum">
-              <a:rPr lang="en-US" smtClean="0"/>
-              <a:pPr/>
               <a:t>18</a:t>
-            </a:fld>
-            <a:endParaRPr lang="en-US"/>
-          </a:p>
-        </p:txBody>
-      </p:sp>
-    </p:spTree>
-  </p:cSld>
-  <p:clrMapOvr>
-    <a:masterClrMapping/>
-  </p:clrMapOvr>
-</p:notes>
-</file>
-
-<file path=ppt/notesSlides/notesSlide18.xml><?xml version="1.0" encoding="utf-8"?>
-<p:notes xmlns:a="http://schemas.openxmlformats.org/drawingml/2006/main" xmlns:r="http://schemas.openxmlformats.org/officeDocument/2006/relationships" xmlns:p="http://schemas.openxmlformats.org/presentationml/2006/main">
-  <p:cSld>
-    <p:spTree>
-      <p:nvGrpSpPr>
-        <p:cNvPr id="1" name=""/>
-        <p:cNvGrpSpPr/>
-        <p:nvPr/>
-      </p:nvGrpSpPr>
-      <p:grpSpPr>
-        <a:xfrm>
-          <a:off x="0" y="0"/>
-          <a:ext cx="0" cy="0"/>
-          <a:chOff x="0" y="0"/>
-          <a:chExt cx="0" cy="0"/>
-        </a:xfrm>
-      </p:grpSpPr>
-      <p:sp>
-        <p:nvSpPr>
-          <p:cNvPr id="2" name="Slide Image Placeholder 1"/>
-          <p:cNvSpPr>
-            <a:spLocks noGrp="1" noRot="1" noChangeAspect="1"/>
-          </p:cNvSpPr>
-          <p:nvPr>
-            <p:ph type="sldImg"/>
-          </p:nvPr>
-        </p:nvSpPr>
-        <p:spPr/>
-      </p:sp>
-      <p:sp>
-        <p:nvSpPr>
-          <p:cNvPr id="3" name="Notes Placeholder 2"/>
-          <p:cNvSpPr>
-            <a:spLocks noGrp="1"/>
-          </p:cNvSpPr>
-          <p:nvPr>
-            <p:ph type="body" idx="1"/>
-          </p:nvPr>
-        </p:nvSpPr>
-        <p:spPr/>
-        <p:txBody>
-          <a:bodyPr>
-            <a:normAutofit/>
-          </a:bodyPr>
-          <a:lstStyle/>
-          <a:p>
-            <a:endParaRPr lang="en-US"/>
-          </a:p>
-        </p:txBody>
-      </p:sp>
-      <p:sp>
-        <p:nvSpPr>
-          <p:cNvPr id="4" name="Slide Number Placeholder 3"/>
-          <p:cNvSpPr>
-            <a:spLocks noGrp="1"/>
-          </p:cNvSpPr>
-          <p:nvPr>
-            <p:ph type="sldNum" sz="quarter" idx="10"/>
-          </p:nvPr>
-        </p:nvSpPr>
-        <p:spPr/>
-        <p:txBody>
-          <a:bodyPr/>
-          <a:lstStyle/>
-          <a:p>
-            <a:fld id="{4E2DDEEE-28A1-46E7-8C69-F86D1A7BF25E}" type="slidenum">
-              <a:rPr lang="en-US" smtClean="0"/>
-              <a:pPr/>
-              <a:t>19</a:t>
-            </a:fld>
-            <a:endParaRPr lang="en-US"/>
-          </a:p>
-        </p:txBody>
-      </p:sp>
-    </p:spTree>
-  </p:cSld>
-  <p:clrMapOvr>
-    <a:masterClrMapping/>
-  </p:clrMapOvr>
-</p:notes>
-</file>
-
-<file path=ppt/notesSlides/notesSlide19.xml><?xml version="1.0" encoding="utf-8"?>
-<p:notes xmlns:a="http://schemas.openxmlformats.org/drawingml/2006/main" xmlns:r="http://schemas.openxmlformats.org/officeDocument/2006/relationships" xmlns:p="http://schemas.openxmlformats.org/presentationml/2006/main">
-  <p:cSld>
-    <p:spTree>
-      <p:nvGrpSpPr>
-        <p:cNvPr id="1" name=""/>
-        <p:cNvGrpSpPr/>
-        <p:nvPr/>
-      </p:nvGrpSpPr>
-      <p:grpSpPr>
-        <a:xfrm>
-          <a:off x="0" y="0"/>
-          <a:ext cx="0" cy="0"/>
-          <a:chOff x="0" y="0"/>
-          <a:chExt cx="0" cy="0"/>
-        </a:xfrm>
-      </p:grpSpPr>
-      <p:sp>
-        <p:nvSpPr>
-          <p:cNvPr id="2" name="Slide Image Placeholder 1"/>
-          <p:cNvSpPr>
-            <a:spLocks noGrp="1" noRot="1" noChangeAspect="1"/>
-          </p:cNvSpPr>
-          <p:nvPr>
-            <p:ph type="sldImg"/>
-          </p:nvPr>
-        </p:nvSpPr>
-        <p:spPr/>
-      </p:sp>
-      <p:sp>
-        <p:nvSpPr>
-          <p:cNvPr id="3" name="Notes Placeholder 2"/>
-          <p:cNvSpPr>
-            <a:spLocks noGrp="1"/>
-          </p:cNvSpPr>
-          <p:nvPr>
-            <p:ph type="body" idx="1"/>
-          </p:nvPr>
-        </p:nvSpPr>
-        <p:spPr/>
-        <p:txBody>
-          <a:bodyPr>
-            <a:normAutofit/>
-          </a:bodyPr>
-          <a:lstStyle/>
-          <a:p>
-            <a:endParaRPr lang="en-US"/>
-          </a:p>
-        </p:txBody>
-      </p:sp>
-      <p:sp>
-        <p:nvSpPr>
-          <p:cNvPr id="4" name="Slide Number Placeholder 3"/>
-          <p:cNvSpPr>
-            <a:spLocks noGrp="1"/>
-          </p:cNvSpPr>
-          <p:nvPr>
-            <p:ph type="sldNum" sz="quarter" idx="10"/>
-          </p:nvPr>
-        </p:nvSpPr>
-        <p:spPr/>
-        <p:txBody>
-          <a:bodyPr/>
-          <a:lstStyle/>
-          <a:p>
-            <a:fld id="{4E2DDEEE-28A1-46E7-8C69-F86D1A7BF25E}" type="slidenum">
-              <a:rPr lang="en-US" smtClean="0"/>
-              <a:pPr/>
-              <a:t>20</a:t>
             </a:fld>
             <a:endParaRPr lang="en-US"/>
           </a:p>
@@ -8657,88 +8495,6 @@
               <a:rPr lang="en-US" smtClean="0"/>
               <a:pPr/>
               <a:t>2</a:t>
-            </a:fld>
-            <a:endParaRPr lang="en-US"/>
-          </a:p>
-        </p:txBody>
-      </p:sp>
-    </p:spTree>
-  </p:cSld>
-  <p:clrMapOvr>
-    <a:masterClrMapping/>
-  </p:clrMapOvr>
-</p:notes>
-</file>
-
-<file path=ppt/notesSlides/notesSlide20.xml><?xml version="1.0" encoding="utf-8"?>
-<p:notes xmlns:a="http://schemas.openxmlformats.org/drawingml/2006/main" xmlns:r="http://schemas.openxmlformats.org/officeDocument/2006/relationships" xmlns:p="http://schemas.openxmlformats.org/presentationml/2006/main">
-  <p:cSld>
-    <p:spTree>
-      <p:nvGrpSpPr>
-        <p:cNvPr id="1" name=""/>
-        <p:cNvGrpSpPr/>
-        <p:nvPr/>
-      </p:nvGrpSpPr>
-      <p:grpSpPr>
-        <a:xfrm>
-          <a:off x="0" y="0"/>
-          <a:ext cx="0" cy="0"/>
-          <a:chOff x="0" y="0"/>
-          <a:chExt cx="0" cy="0"/>
-        </a:xfrm>
-      </p:grpSpPr>
-      <p:sp>
-        <p:nvSpPr>
-          <p:cNvPr id="2" name="Slide Image Placeholder 1"/>
-          <p:cNvSpPr>
-            <a:spLocks noGrp="1" noRot="1" noChangeAspect="1"/>
-          </p:cNvSpPr>
-          <p:nvPr>
-            <p:ph type="sldImg"/>
-          </p:nvPr>
-        </p:nvSpPr>
-        <p:spPr/>
-      </p:sp>
-      <p:sp>
-        <p:nvSpPr>
-          <p:cNvPr id="3" name="Notes Placeholder 2"/>
-          <p:cNvSpPr>
-            <a:spLocks noGrp="1"/>
-          </p:cNvSpPr>
-          <p:nvPr>
-            <p:ph type="body" idx="1"/>
-          </p:nvPr>
-        </p:nvSpPr>
-        <p:spPr/>
-        <p:txBody>
-          <a:bodyPr>
-            <a:normAutofit/>
-          </a:bodyPr>
-          <a:lstStyle/>
-          <a:p>
-            <a:endParaRPr lang="en-US"/>
-          </a:p>
-        </p:txBody>
-      </p:sp>
-      <p:sp>
-        <p:nvSpPr>
-          <p:cNvPr id="4" name="Slide Number Placeholder 3"/>
-          <p:cNvSpPr>
-            <a:spLocks noGrp="1"/>
-          </p:cNvSpPr>
-          <p:nvPr>
-            <p:ph type="sldNum" sz="quarter" idx="10"/>
-          </p:nvPr>
-        </p:nvSpPr>
-        <p:spPr/>
-        <p:txBody>
-          <a:bodyPr/>
-          <a:lstStyle/>
-          <a:p>
-            <a:fld id="{4E2DDEEE-28A1-46E7-8C69-F86D1A7BF25E}" type="slidenum">
-              <a:rPr lang="en-US" smtClean="0"/>
-              <a:pPr/>
-              <a:t>21</a:t>
             </a:fld>
             <a:endParaRPr lang="en-US"/>
           </a:p>
@@ -13438,110 +13194,50 @@
       </p:grpSpPr>
       <p:sp>
         <p:nvSpPr>
-          <p:cNvPr id="2" name="Title 1"/>
+          <p:cNvPr id="3" name="Content Placeholder 2"/>
           <p:cNvSpPr>
             <a:spLocks noGrp="1"/>
           </p:cNvSpPr>
           <p:nvPr>
-            <p:ph type="title"/>
+            <p:ph idx="1"/>
           </p:nvPr>
         </p:nvSpPr>
         <p:spPr>
           <a:xfrm>
-            <a:off x="304800" y="457200"/>
-            <a:ext cx="8229600" cy="1143000"/>
+            <a:off x="304800" y="1143000"/>
+            <a:ext cx="8382000" cy="4525963"/>
           </a:xfrm>
         </p:spPr>
         <p:txBody>
-          <a:bodyPr/>
+          <a:bodyPr>
+            <a:normAutofit/>
+          </a:bodyPr>
           <a:lstStyle/>
           <a:p>
+            <a:endParaRPr lang="en-US" sz="5000" dirty="0" smtClean="0"/>
+          </a:p>
+          <a:p>
+            <a:pPr>
+              <a:buNone/>
+            </a:pPr>
+            <a:endParaRPr lang="en-US" sz="5000" dirty="0" smtClean="0"/>
+          </a:p>
+          <a:p>
+            <a:pPr>
+              <a:buNone/>
+            </a:pPr>
             <a:r>
-              <a:rPr lang="en-US" dirty="0" smtClean="0"/>
-              <a:t>User Interface</a:t>
+              <a:rPr lang="en-US" sz="5000" dirty="0" smtClean="0"/>
+              <a:t> </a:t>
             </a:r>
-            <a:endParaRPr lang="en-US" dirty="0"/>
+            <a:r>
+              <a:rPr lang="en-US" sz="5000" dirty="0" smtClean="0"/>
+              <a:t>   Let us show you the DEMO</a:t>
+            </a:r>
+            <a:endParaRPr lang="en-US" sz="5000" dirty="0"/>
           </a:p>
         </p:txBody>
       </p:sp>
-      <p:pic>
-        <p:nvPicPr>
-          <p:cNvPr id="4" name="Content Placeholder 3" descr="mockupNoCaptions.jpg"/>
-          <p:cNvPicPr>
-            <a:picLocks noGrp="1" noChangeAspect="1"/>
-          </p:cNvPicPr>
-          <p:nvPr>
-            <p:ph idx="1"/>
-          </p:nvPr>
-        </p:nvPicPr>
-        <p:blipFill>
-          <a:blip r:embed="rId3"/>
-          <a:stretch>
-            <a:fillRect/>
-          </a:stretch>
-        </p:blipFill>
-        <p:spPr>
-          <a:xfrm>
-            <a:off x="990600" y="1600200"/>
-            <a:ext cx="6781800" cy="5068943"/>
-          </a:xfrm>
-        </p:spPr>
-      </p:pic>
-    </p:spTree>
-  </p:cSld>
-  <p:clrMapOvr>
-    <a:masterClrMapping/>
-  </p:clrMapOvr>
-  <p:timing>
-    <p:tnLst>
-      <p:par>
-        <p:cTn id="1" dur="indefinite" restart="never" nodeType="tmRoot"/>
-      </p:par>
-    </p:tnLst>
-  </p:timing>
-</p:sld>
-</file>
-
-<file path=ppt/slides/slide18.xml><?xml version="1.0" encoding="utf-8"?>
-<p:sld xmlns:a="http://schemas.openxmlformats.org/drawingml/2006/main" xmlns:r="http://schemas.openxmlformats.org/officeDocument/2006/relationships" xmlns:p="http://schemas.openxmlformats.org/presentationml/2006/main">
-  <p:cSld>
-    <p:spTree>
-      <p:nvGrpSpPr>
-        <p:cNvPr id="1" name=""/>
-        <p:cNvGrpSpPr/>
-        <p:nvPr/>
-      </p:nvGrpSpPr>
-      <p:grpSpPr>
-        <a:xfrm>
-          <a:off x="0" y="0"/>
-          <a:ext cx="0" cy="0"/>
-          <a:chOff x="0" y="0"/>
-          <a:chExt cx="0" cy="0"/>
-        </a:xfrm>
-      </p:grpSpPr>
-      <p:pic>
-        <p:nvPicPr>
-          <p:cNvPr id="4" name="Content Placeholder 3" descr="mockupWithCaptions.jpg"/>
-          <p:cNvPicPr>
-            <a:picLocks noGrp="1" noChangeAspect="1"/>
-          </p:cNvPicPr>
-          <p:nvPr>
-            <p:ph idx="1"/>
-          </p:nvPr>
-        </p:nvPicPr>
-        <p:blipFill>
-          <a:blip r:embed="rId3"/>
-          <a:stretch>
-            <a:fillRect/>
-          </a:stretch>
-        </p:blipFill>
-        <p:spPr>
-          <a:xfrm>
-            <a:off x="762000" y="990600"/>
-            <a:ext cx="7543800" cy="5638487"/>
-          </a:xfrm>
-        </p:spPr>
-      </p:pic>
     </p:spTree>
   </p:cSld>
   <p:clrMapOvr>
@@ -13550,178 +13246,7 @@
 </p:sld>
 </file>
 
-<file path=ppt/slides/slide19.xml><?xml version="1.0" encoding="utf-8"?>
-<p:sld xmlns:a="http://schemas.openxmlformats.org/drawingml/2006/main" xmlns:r="http://schemas.openxmlformats.org/officeDocument/2006/relationships" xmlns:p="http://schemas.openxmlformats.org/presentationml/2006/main">
-  <p:cSld>
-    <p:spTree>
-      <p:nvGrpSpPr>
-        <p:cNvPr id="1" name=""/>
-        <p:cNvGrpSpPr/>
-        <p:nvPr/>
-      </p:nvGrpSpPr>
-      <p:grpSpPr>
-        <a:xfrm>
-          <a:off x="0" y="0"/>
-          <a:ext cx="0" cy="0"/>
-          <a:chOff x="0" y="0"/>
-          <a:chExt cx="0" cy="0"/>
-        </a:xfrm>
-      </p:grpSpPr>
-      <p:pic>
-        <p:nvPicPr>
-          <p:cNvPr id="5" name="Content Placeholder 4" descr="mockupEditMode1.jpg"/>
-          <p:cNvPicPr>
-            <a:picLocks noGrp="1" noChangeAspect="1"/>
-          </p:cNvPicPr>
-          <p:nvPr>
-            <p:ph idx="1"/>
-          </p:nvPr>
-        </p:nvPicPr>
-        <p:blipFill>
-          <a:blip r:embed="rId3"/>
-          <a:stretch>
-            <a:fillRect/>
-          </a:stretch>
-        </p:blipFill>
-        <p:spPr>
-          <a:xfrm>
-            <a:off x="710083" y="990600"/>
-            <a:ext cx="7748117" cy="5791200"/>
-          </a:xfrm>
-        </p:spPr>
-      </p:pic>
-    </p:spTree>
-  </p:cSld>
-  <p:clrMapOvr>
-    <a:masterClrMapping/>
-  </p:clrMapOvr>
-</p:sld>
-</file>
-
-<file path=ppt/slides/slide2.xml><?xml version="1.0" encoding="utf-8"?>
-<p:sld xmlns:a="http://schemas.openxmlformats.org/drawingml/2006/main" xmlns:r="http://schemas.openxmlformats.org/officeDocument/2006/relationships" xmlns:p="http://schemas.openxmlformats.org/presentationml/2006/main">
-  <p:cSld>
-    <p:spTree>
-      <p:nvGrpSpPr>
-        <p:cNvPr id="1" name=""/>
-        <p:cNvGrpSpPr/>
-        <p:nvPr/>
-      </p:nvGrpSpPr>
-      <p:grpSpPr>
-        <a:xfrm>
-          <a:off x="0" y="0"/>
-          <a:ext cx="0" cy="0"/>
-          <a:chOff x="0" y="0"/>
-          <a:chExt cx="0" cy="0"/>
-        </a:xfrm>
-      </p:grpSpPr>
-      <p:sp>
-        <p:nvSpPr>
-          <p:cNvPr id="2" name="Title 1"/>
-          <p:cNvSpPr>
-            <a:spLocks noGrp="1"/>
-          </p:cNvSpPr>
-          <p:nvPr>
-            <p:ph type="title"/>
-          </p:nvPr>
-        </p:nvSpPr>
-        <p:spPr/>
-        <p:txBody>
-          <a:bodyPr/>
-          <a:lstStyle/>
-          <a:p>
-            <a:r>
-              <a:rPr lang="en-US" dirty="0" smtClean="0"/>
-              <a:t>Team CC</a:t>
-            </a:r>
-            <a:endParaRPr lang="en-US" dirty="0"/>
-          </a:p>
-        </p:txBody>
-      </p:sp>
-      <p:graphicFrame>
-        <p:nvGraphicFramePr>
-          <p:cNvPr id="4" name="Content Placeholder 3"/>
-          <p:cNvGraphicFramePr>
-            <a:graphicFrameLocks noGrp="1"/>
-          </p:cNvGraphicFramePr>
-          <p:nvPr>
-            <p:ph idx="1"/>
-          </p:nvPr>
-        </p:nvGraphicFramePr>
-        <p:xfrm>
-          <a:off x="457200" y="1935163"/>
-          <a:ext cx="8229600" cy="4389437"/>
-        </p:xfrm>
-        <a:graphic>
-          <a:graphicData uri="http://schemas.openxmlformats.org/drawingml/2006/diagram">
-            <dgm:relIds xmlns:dgm="http://schemas.openxmlformats.org/drawingml/2006/diagram" xmlns:r="http://schemas.openxmlformats.org/officeDocument/2006/relationships" r:dm="rId3" r:lo="rId4" r:qs="rId5" r:cs="rId6"/>
-          </a:graphicData>
-        </a:graphic>
-      </p:graphicFrame>
-    </p:spTree>
-  </p:cSld>
-  <p:clrMapOvr>
-    <a:masterClrMapping/>
-  </p:clrMapOvr>
-  <p:timing>
-    <p:tnLst>
-      <p:par>
-        <p:cTn id="1" dur="indefinite" restart="never" nodeType="tmRoot"/>
-      </p:par>
-    </p:tnLst>
-  </p:timing>
-</p:sld>
-</file>
-
-<file path=ppt/slides/slide20.xml><?xml version="1.0" encoding="utf-8"?>
-<p:sld xmlns:a="http://schemas.openxmlformats.org/drawingml/2006/main" xmlns:r="http://schemas.openxmlformats.org/officeDocument/2006/relationships" xmlns:p="http://schemas.openxmlformats.org/presentationml/2006/main">
-  <p:cSld>
-    <p:spTree>
-      <p:nvGrpSpPr>
-        <p:cNvPr id="1" name=""/>
-        <p:cNvGrpSpPr/>
-        <p:nvPr/>
-      </p:nvGrpSpPr>
-      <p:grpSpPr>
-        <a:xfrm>
-          <a:off x="0" y="0"/>
-          <a:ext cx="0" cy="0"/>
-          <a:chOff x="0" y="0"/>
-          <a:chExt cx="0" cy="0"/>
-        </a:xfrm>
-      </p:grpSpPr>
-      <p:pic>
-        <p:nvPicPr>
-          <p:cNvPr id="4" name="Content Placeholder 3" descr="mockupEditMode2.jpg"/>
-          <p:cNvPicPr>
-            <a:picLocks noGrp="1" noChangeAspect="1"/>
-          </p:cNvPicPr>
-          <p:nvPr>
-            <p:ph idx="1"/>
-          </p:nvPr>
-        </p:nvPicPr>
-        <p:blipFill>
-          <a:blip r:embed="rId3"/>
-          <a:stretch>
-            <a:fillRect/>
-          </a:stretch>
-        </p:blipFill>
-        <p:spPr>
-          <a:xfrm>
-            <a:off x="762000" y="990600"/>
-            <a:ext cx="7736940" cy="5782846"/>
-          </a:xfrm>
-        </p:spPr>
-      </p:pic>
-    </p:spTree>
-  </p:cSld>
-  <p:clrMapOvr>
-    <a:masterClrMapping/>
-  </p:clrMapOvr>
-</p:sld>
-</file>
-
-<file path=ppt/slides/slide21.xml><?xml version="1.0" encoding="utf-8"?>
+<file path=ppt/slides/slide18.xml><?xml version="1.0" encoding="utf-8"?>
 <p:sld xmlns:a="http://schemas.openxmlformats.org/drawingml/2006/main" xmlns:r="http://schemas.openxmlformats.org/officeDocument/2006/relationships" xmlns:p="http://schemas.openxmlformats.org/presentationml/2006/main">
   <p:cSld>
     <p:spTree>
@@ -13840,7 +13365,7 @@
 </p:sld>
 </file>
 
-<file path=ppt/slides/slide22.xml><?xml version="1.0" encoding="utf-8"?>
+<file path=ppt/slides/slide19.xml><?xml version="1.0" encoding="utf-8"?>
 <p:sld xmlns:a="http://schemas.openxmlformats.org/drawingml/2006/main" xmlns:r="http://schemas.openxmlformats.org/officeDocument/2006/relationships" xmlns:p="http://schemas.openxmlformats.org/presentationml/2006/main">
   <p:cSld>
     <p:spTree>
@@ -13894,7 +13419,82 @@
 </p:sld>
 </file>
 
-<file path=ppt/slides/slide23.xml><?xml version="1.0" encoding="utf-8"?>
+<file path=ppt/slides/slide2.xml><?xml version="1.0" encoding="utf-8"?>
+<p:sld xmlns:a="http://schemas.openxmlformats.org/drawingml/2006/main" xmlns:r="http://schemas.openxmlformats.org/officeDocument/2006/relationships" xmlns:p="http://schemas.openxmlformats.org/presentationml/2006/main">
+  <p:cSld>
+    <p:spTree>
+      <p:nvGrpSpPr>
+        <p:cNvPr id="1" name=""/>
+        <p:cNvGrpSpPr/>
+        <p:nvPr/>
+      </p:nvGrpSpPr>
+      <p:grpSpPr>
+        <a:xfrm>
+          <a:off x="0" y="0"/>
+          <a:ext cx="0" cy="0"/>
+          <a:chOff x="0" y="0"/>
+          <a:chExt cx="0" cy="0"/>
+        </a:xfrm>
+      </p:grpSpPr>
+      <p:sp>
+        <p:nvSpPr>
+          <p:cNvPr id="2" name="Title 1"/>
+          <p:cNvSpPr>
+            <a:spLocks noGrp="1"/>
+          </p:cNvSpPr>
+          <p:nvPr>
+            <p:ph type="title"/>
+          </p:nvPr>
+        </p:nvSpPr>
+        <p:spPr/>
+        <p:txBody>
+          <a:bodyPr/>
+          <a:lstStyle/>
+          <a:p>
+            <a:r>
+              <a:rPr lang="en-US" dirty="0" smtClean="0"/>
+              <a:t>Team CC</a:t>
+            </a:r>
+            <a:endParaRPr lang="en-US" dirty="0"/>
+          </a:p>
+        </p:txBody>
+      </p:sp>
+      <p:graphicFrame>
+        <p:nvGraphicFramePr>
+          <p:cNvPr id="4" name="Content Placeholder 3"/>
+          <p:cNvGraphicFramePr>
+            <a:graphicFrameLocks noGrp="1"/>
+          </p:cNvGraphicFramePr>
+          <p:nvPr>
+            <p:ph idx="1"/>
+          </p:nvPr>
+        </p:nvGraphicFramePr>
+        <p:xfrm>
+          <a:off x="457200" y="1935163"/>
+          <a:ext cx="8229600" cy="4389437"/>
+        </p:xfrm>
+        <a:graphic>
+          <a:graphicData uri="http://schemas.openxmlformats.org/drawingml/2006/diagram">
+            <dgm:relIds xmlns:dgm="http://schemas.openxmlformats.org/drawingml/2006/diagram" xmlns:r="http://schemas.openxmlformats.org/officeDocument/2006/relationships" r:dm="rId3" r:lo="rId4" r:qs="rId5" r:cs="rId6"/>
+          </a:graphicData>
+        </a:graphic>
+      </p:graphicFrame>
+    </p:spTree>
+  </p:cSld>
+  <p:clrMapOvr>
+    <a:masterClrMapping/>
+  </p:clrMapOvr>
+  <p:timing>
+    <p:tnLst>
+      <p:par>
+        <p:cTn id="1" dur="indefinite" restart="never" nodeType="tmRoot"/>
+      </p:par>
+    </p:tnLst>
+  </p:timing>
+</p:sld>
+</file>
+
+<file path=ppt/slides/slide20.xml><?xml version="1.0" encoding="utf-8"?>
 <p:sld xmlns:a="http://schemas.openxmlformats.org/drawingml/2006/main" xmlns:r="http://schemas.openxmlformats.org/officeDocument/2006/relationships" xmlns:p="http://schemas.openxmlformats.org/presentationml/2006/main">
   <p:cSld>
     <p:spTree>
